--- a/Congenital Heart Desease.pptx
+++ b/Congenital Heart Desease.pptx
@@ -7,6 +7,12 @@
   <p:sldIdLst>
     <p:sldId id="256" r:id="rId2"/>
     <p:sldId id="257" r:id="rId3"/>
+    <p:sldId id="258" r:id="rId4"/>
+    <p:sldId id="259" r:id="rId5"/>
+    <p:sldId id="260" r:id="rId6"/>
+    <p:sldId id="261" r:id="rId7"/>
+    <p:sldId id="262" r:id="rId8"/>
+    <p:sldId id="263" r:id="rId9"/>
   </p:sldIdLst>
   <p:sldSz cx="12192000" cy="6858000"/>
   <p:notesSz cx="6858000" cy="9144000"/>
@@ -3620,7 +3626,7 @@
       </p:sp>
       <p:pic>
         <p:nvPicPr>
-          <p:cNvPr id="4" name="Picture 3">
+          <p:cNvPr id="4" name="Picture 3" descr="A picture containing screenshot&#10;&#10;Description automatically generated">
             <a:extLst>
               <a:ext uri="{FF2B5EF4-FFF2-40B4-BE49-F238E27FC236}">
                 <a16:creationId xmlns:a16="http://schemas.microsoft.com/office/drawing/2014/main" id="{424B3BFA-5694-4007-AF14-F398D3DFB7D7}"/>
@@ -4256,6 +4262,1777 @@
     <p:extLst>
       <p:ext uri="{BB962C8B-B14F-4D97-AF65-F5344CB8AC3E}">
         <p14:creationId xmlns:p14="http://schemas.microsoft.com/office/powerpoint/2010/main" val="3701205792"/>
+      </p:ext>
+    </p:extLst>
+  </p:cSld>
+  <p:clrMapOvr>
+    <a:overrideClrMapping bg1="dk1" tx1="lt1" bg2="dk2" tx2="lt2" accent1="accent1" accent2="accent2" accent3="accent3" accent4="accent4" accent5="accent5" accent6="accent6" hlink="hlink" folHlink="folHlink"/>
+  </p:clrMapOvr>
+</p:sld>
+</file>
+
+<file path=ppt/slides/slide3.xml><?xml version="1.0" encoding="utf-8"?>
+<p:sld xmlns:a="http://schemas.openxmlformats.org/drawingml/2006/main" xmlns:r="http://schemas.openxmlformats.org/officeDocument/2006/relationships" xmlns:p="http://schemas.openxmlformats.org/presentationml/2006/main">
+  <p:cSld>
+    <p:spTree>
+      <p:nvGrpSpPr>
+        <p:cNvPr id="1" name=""/>
+        <p:cNvGrpSpPr/>
+        <p:nvPr/>
+      </p:nvGrpSpPr>
+      <p:grpSpPr>
+        <a:xfrm>
+          <a:off x="0" y="0"/>
+          <a:ext cx="0" cy="0"/>
+          <a:chOff x="0" y="0"/>
+          <a:chExt cx="0" cy="0"/>
+        </a:xfrm>
+      </p:grpSpPr>
+      <p:pic>
+        <p:nvPicPr>
+          <p:cNvPr id="2" name="Picture 1">
+            <a:extLst>
+              <a:ext uri="{FF2B5EF4-FFF2-40B4-BE49-F238E27FC236}">
+                <a16:creationId xmlns:a16="http://schemas.microsoft.com/office/drawing/2014/main" id="{CE016FEF-08C8-4349-8F25-DE3E9C2E5C40}"/>
+              </a:ext>
+            </a:extLst>
+          </p:cNvPr>
+          <p:cNvPicPr>
+            <a:picLocks noChangeAspect="1"/>
+          </p:cNvPicPr>
+          <p:nvPr/>
+        </p:nvPicPr>
+        <p:blipFill rotWithShape="1">
+          <a:blip r:embed="rId2"/>
+          <a:srcRect l="3674" t="18901" r="51432"/>
+          <a:stretch/>
+        </p:blipFill>
+        <p:spPr>
+          <a:xfrm>
+            <a:off x="1148296" y="2179531"/>
+            <a:ext cx="4394448" cy="4465405"/>
+          </a:xfrm>
+          <a:prstGeom prst="rect">
+            <a:avLst/>
+          </a:prstGeom>
+        </p:spPr>
+      </p:pic>
+      <p:sp>
+        <p:nvSpPr>
+          <p:cNvPr id="3" name="TextBox 2">
+            <a:extLst>
+              <a:ext uri="{FF2B5EF4-FFF2-40B4-BE49-F238E27FC236}">
+                <a16:creationId xmlns:a16="http://schemas.microsoft.com/office/drawing/2014/main" id="{B8C7EBD1-8CC3-4066-B89C-55E5195E58C9}"/>
+              </a:ext>
+            </a:extLst>
+          </p:cNvPr>
+          <p:cNvSpPr txBox="1"/>
+          <p:nvPr/>
+        </p:nvSpPr>
+        <p:spPr>
+          <a:xfrm>
+            <a:off x="4776186" y="213064"/>
+            <a:ext cx="5424257" cy="523220"/>
+          </a:xfrm>
+          <a:prstGeom prst="rect">
+            <a:avLst/>
+          </a:prstGeom>
+          <a:noFill/>
+        </p:spPr>
+        <p:txBody>
+          <a:bodyPr wrap="square" rtlCol="0">
+            <a:spAutoFit/>
+          </a:bodyPr>
+          <a:lstStyle/>
+          <a:p>
+            <a:r>
+              <a:rPr lang="en-US" sz="2800" dirty="0"/>
+              <a:t>Number of Patients with Surfactant</a:t>
+            </a:r>
+          </a:p>
+        </p:txBody>
+      </p:sp>
+      <p:sp>
+        <p:nvSpPr>
+          <p:cNvPr id="4" name="TextBox 3">
+            <a:extLst>
+              <a:ext uri="{FF2B5EF4-FFF2-40B4-BE49-F238E27FC236}">
+                <a16:creationId xmlns:a16="http://schemas.microsoft.com/office/drawing/2014/main" id="{F244F08B-8A83-4742-8CD0-7803BC07CFFE}"/>
+              </a:ext>
+            </a:extLst>
+          </p:cNvPr>
+          <p:cNvSpPr txBox="1"/>
+          <p:nvPr/>
+        </p:nvSpPr>
+        <p:spPr>
+          <a:xfrm>
+            <a:off x="2009073" y="1391863"/>
+            <a:ext cx="2509661" cy="369332"/>
+          </a:xfrm>
+          <a:prstGeom prst="rect">
+            <a:avLst/>
+          </a:prstGeom>
+          <a:noFill/>
+        </p:spPr>
+        <p:txBody>
+          <a:bodyPr wrap="none" rtlCol="0">
+            <a:spAutoFit/>
+          </a:bodyPr>
+          <a:lstStyle/>
+          <a:p>
+            <a:r>
+              <a:rPr lang="en-US" dirty="0"/>
+              <a:t>Hypoplastic left ventricle</a:t>
+            </a:r>
+          </a:p>
+        </p:txBody>
+      </p:sp>
+      <p:pic>
+        <p:nvPicPr>
+          <p:cNvPr id="5" name="Picture 4">
+            <a:extLst>
+              <a:ext uri="{FF2B5EF4-FFF2-40B4-BE49-F238E27FC236}">
+                <a16:creationId xmlns:a16="http://schemas.microsoft.com/office/drawing/2014/main" id="{CA99056D-2D5C-4072-9C96-5FA4E60F3845}"/>
+              </a:ext>
+            </a:extLst>
+          </p:cNvPr>
+          <p:cNvPicPr>
+            <a:picLocks noChangeAspect="1"/>
+          </p:cNvPicPr>
+          <p:nvPr/>
+        </p:nvPicPr>
+        <p:blipFill rotWithShape="1">
+          <a:blip r:embed="rId3"/>
+          <a:srcRect l="6218" t="19122" r="51422" b="-1"/>
+          <a:stretch/>
+        </p:blipFill>
+        <p:spPr>
+          <a:xfrm>
+            <a:off x="6690316" y="2395156"/>
+            <a:ext cx="3867705" cy="4153737"/>
+          </a:xfrm>
+          <a:prstGeom prst="rect">
+            <a:avLst/>
+          </a:prstGeom>
+        </p:spPr>
+      </p:pic>
+      <p:sp>
+        <p:nvSpPr>
+          <p:cNvPr id="6" name="TextBox 5">
+            <a:extLst>
+              <a:ext uri="{FF2B5EF4-FFF2-40B4-BE49-F238E27FC236}">
+                <a16:creationId xmlns:a16="http://schemas.microsoft.com/office/drawing/2014/main" id="{49BA5489-64F9-47D6-A0AE-B2A1F9F2FF0A}"/>
+              </a:ext>
+            </a:extLst>
+          </p:cNvPr>
+          <p:cNvSpPr txBox="1"/>
+          <p:nvPr/>
+        </p:nvSpPr>
+        <p:spPr>
+          <a:xfrm>
+            <a:off x="7673268" y="1381054"/>
+            <a:ext cx="1901803" cy="369332"/>
+          </a:xfrm>
+          <a:prstGeom prst="rect">
+            <a:avLst/>
+          </a:prstGeom>
+          <a:noFill/>
+        </p:spPr>
+        <p:txBody>
+          <a:bodyPr wrap="none" rtlCol="0">
+            <a:spAutoFit/>
+          </a:bodyPr>
+          <a:lstStyle/>
+          <a:p>
+            <a:r>
+              <a:rPr lang="en-US" dirty="0" err="1"/>
+              <a:t>Troncus</a:t>
+            </a:r>
+            <a:r>
+              <a:rPr lang="en-US" dirty="0"/>
+              <a:t> arteriosus</a:t>
+            </a:r>
+          </a:p>
+        </p:txBody>
+      </p:sp>
+    </p:spTree>
+    <p:extLst>
+      <p:ext uri="{BB962C8B-B14F-4D97-AF65-F5344CB8AC3E}">
+        <p14:creationId xmlns:p14="http://schemas.microsoft.com/office/powerpoint/2010/main" val="3872559693"/>
+      </p:ext>
+    </p:extLst>
+  </p:cSld>
+  <p:clrMapOvr>
+    <a:masterClrMapping/>
+  </p:clrMapOvr>
+</p:sld>
+</file>
+
+<file path=ppt/slides/slide4.xml><?xml version="1.0" encoding="utf-8"?>
+<p:sld xmlns:a="http://schemas.openxmlformats.org/drawingml/2006/main" xmlns:r="http://schemas.openxmlformats.org/officeDocument/2006/relationships" xmlns:p="http://schemas.openxmlformats.org/presentationml/2006/main">
+  <p:cSld>
+    <p:spTree>
+      <p:nvGrpSpPr>
+        <p:cNvPr id="1" name=""/>
+        <p:cNvGrpSpPr/>
+        <p:nvPr/>
+      </p:nvGrpSpPr>
+      <p:grpSpPr>
+        <a:xfrm>
+          <a:off x="0" y="0"/>
+          <a:ext cx="0" cy="0"/>
+          <a:chOff x="0" y="0"/>
+          <a:chExt cx="0" cy="0"/>
+        </a:xfrm>
+      </p:grpSpPr>
+      <p:sp>
+        <p:nvSpPr>
+          <p:cNvPr id="3" name="TextBox 2">
+            <a:extLst>
+              <a:ext uri="{FF2B5EF4-FFF2-40B4-BE49-F238E27FC236}">
+                <a16:creationId xmlns:a16="http://schemas.microsoft.com/office/drawing/2014/main" id="{B8C7EBD1-8CC3-4066-B89C-55E5195E58C9}"/>
+              </a:ext>
+            </a:extLst>
+          </p:cNvPr>
+          <p:cNvSpPr txBox="1"/>
+          <p:nvPr/>
+        </p:nvSpPr>
+        <p:spPr>
+          <a:xfrm>
+            <a:off x="3383871" y="272353"/>
+            <a:ext cx="5424257" cy="523220"/>
+          </a:xfrm>
+          <a:prstGeom prst="rect">
+            <a:avLst/>
+          </a:prstGeom>
+          <a:noFill/>
+        </p:spPr>
+        <p:txBody>
+          <a:bodyPr wrap="square" rtlCol="0">
+            <a:spAutoFit/>
+          </a:bodyPr>
+          <a:lstStyle/>
+          <a:p>
+            <a:pPr marL="0" marR="0" lvl="0" indent="0" algn="l" defTabSz="914400" rtl="0" eaLnBrk="1" fontAlgn="auto" latinLnBrk="0" hangingPunct="1">
+              <a:lnSpc>
+                <a:spcPct val="100000"/>
+              </a:lnSpc>
+              <a:spcBef>
+                <a:spcPts val="0"/>
+              </a:spcBef>
+              <a:spcAft>
+                <a:spcPts val="0"/>
+              </a:spcAft>
+              <a:buClrTx/>
+              <a:buSzTx/>
+              <a:buFontTx/>
+              <a:buNone/>
+              <a:tabLst/>
+              <a:defRPr/>
+            </a:pPr>
+            <a:r>
+              <a:rPr kumimoji="0" lang="en-US" sz="2800" b="0" i="0" u="none" strike="noStrike" kern="1200" cap="none" spc="0" normalizeH="0" baseline="0" noProof="0" dirty="0">
+                <a:ln>
+                  <a:noFill/>
+                </a:ln>
+                <a:solidFill>
+                  <a:prstClr val="black"/>
+                </a:solidFill>
+                <a:effectLst/>
+                <a:uLnTx/>
+                <a:uFillTx/>
+                <a:latin typeface="Calibri" panose="020F0502020204030204"/>
+                <a:ea typeface="+mn-ea"/>
+                <a:cs typeface="+mn-cs"/>
+              </a:rPr>
+              <a:t>Number of Patients with Surfactant</a:t>
+            </a:r>
+          </a:p>
+        </p:txBody>
+      </p:sp>
+      <p:sp>
+        <p:nvSpPr>
+          <p:cNvPr id="4" name="TextBox 3">
+            <a:extLst>
+              <a:ext uri="{FF2B5EF4-FFF2-40B4-BE49-F238E27FC236}">
+                <a16:creationId xmlns:a16="http://schemas.microsoft.com/office/drawing/2014/main" id="{F244F08B-8A83-4742-8CD0-7803BC07CFFE}"/>
+              </a:ext>
+            </a:extLst>
+          </p:cNvPr>
+          <p:cNvSpPr txBox="1"/>
+          <p:nvPr/>
+        </p:nvSpPr>
+        <p:spPr>
+          <a:xfrm>
+            <a:off x="2009073" y="1391863"/>
+            <a:ext cx="2509661" cy="369332"/>
+          </a:xfrm>
+          <a:prstGeom prst="rect">
+            <a:avLst/>
+          </a:prstGeom>
+          <a:noFill/>
+        </p:spPr>
+        <p:txBody>
+          <a:bodyPr wrap="none" rtlCol="0">
+            <a:spAutoFit/>
+          </a:bodyPr>
+          <a:lstStyle/>
+          <a:p>
+            <a:pPr marL="0" marR="0" lvl="0" indent="0" algn="l" defTabSz="914400" rtl="0" eaLnBrk="1" fontAlgn="auto" latinLnBrk="0" hangingPunct="1">
+              <a:lnSpc>
+                <a:spcPct val="100000"/>
+              </a:lnSpc>
+              <a:spcBef>
+                <a:spcPts val="0"/>
+              </a:spcBef>
+              <a:spcAft>
+                <a:spcPts val="0"/>
+              </a:spcAft>
+              <a:buClrTx/>
+              <a:buSzTx/>
+              <a:buFontTx/>
+              <a:buNone/>
+              <a:tabLst/>
+              <a:defRPr/>
+            </a:pPr>
+            <a:r>
+              <a:rPr kumimoji="0" lang="en-US" sz="1800" b="0" i="0" u="none" strike="noStrike" kern="1200" cap="none" spc="0" normalizeH="0" baseline="0" noProof="0" dirty="0">
+                <a:ln>
+                  <a:noFill/>
+                </a:ln>
+                <a:solidFill>
+                  <a:prstClr val="black"/>
+                </a:solidFill>
+                <a:effectLst/>
+                <a:uLnTx/>
+                <a:uFillTx/>
+                <a:latin typeface="Calibri" panose="020F0502020204030204"/>
+                <a:ea typeface="+mn-ea"/>
+                <a:cs typeface="+mn-cs"/>
+              </a:rPr>
+              <a:t>Hypoplastic left ventricle</a:t>
+            </a:r>
+          </a:p>
+        </p:txBody>
+      </p:sp>
+      <p:sp>
+        <p:nvSpPr>
+          <p:cNvPr id="6" name="TextBox 5">
+            <a:extLst>
+              <a:ext uri="{FF2B5EF4-FFF2-40B4-BE49-F238E27FC236}">
+                <a16:creationId xmlns:a16="http://schemas.microsoft.com/office/drawing/2014/main" id="{49BA5489-64F9-47D6-A0AE-B2A1F9F2FF0A}"/>
+              </a:ext>
+            </a:extLst>
+          </p:cNvPr>
+          <p:cNvSpPr txBox="1"/>
+          <p:nvPr/>
+        </p:nvSpPr>
+        <p:spPr>
+          <a:xfrm>
+            <a:off x="832019" y="909052"/>
+            <a:ext cx="3686715" cy="369332"/>
+          </a:xfrm>
+          <a:prstGeom prst="rect">
+            <a:avLst/>
+          </a:prstGeom>
+          <a:noFill/>
+        </p:spPr>
+        <p:txBody>
+          <a:bodyPr wrap="none" rtlCol="0">
+            <a:spAutoFit/>
+          </a:bodyPr>
+          <a:lstStyle/>
+          <a:p>
+            <a:pPr marL="0" marR="0" lvl="0" indent="0" algn="l" defTabSz="914400" rtl="0" eaLnBrk="1" fontAlgn="auto" latinLnBrk="0" hangingPunct="1">
+              <a:lnSpc>
+                <a:spcPct val="100000"/>
+              </a:lnSpc>
+              <a:spcBef>
+                <a:spcPts val="0"/>
+              </a:spcBef>
+              <a:spcAft>
+                <a:spcPts val="0"/>
+              </a:spcAft>
+              <a:buClrTx/>
+              <a:buSzTx/>
+              <a:buFontTx/>
+              <a:buNone/>
+              <a:tabLst/>
+              <a:defRPr/>
+            </a:pPr>
+            <a:r>
+              <a:rPr kumimoji="0" lang="en-US" sz="1800" b="0" i="0" u="none" strike="noStrike" kern="1200" cap="none" spc="0" normalizeH="0" baseline="0" noProof="0" dirty="0">
+                <a:ln>
+                  <a:noFill/>
+                </a:ln>
+                <a:solidFill>
+                  <a:prstClr val="black"/>
+                </a:solidFill>
+                <a:effectLst/>
+                <a:uLnTx/>
+                <a:uFillTx/>
+                <a:latin typeface="Calibri" panose="020F0502020204030204"/>
+                <a:ea typeface="+mn-ea"/>
+                <a:cs typeface="+mn-cs"/>
+              </a:rPr>
+              <a:t>Anomalous pulmonary venous return</a:t>
+            </a:r>
+          </a:p>
+        </p:txBody>
+      </p:sp>
+      <p:pic>
+        <p:nvPicPr>
+          <p:cNvPr id="7" name="Picture 6">
+            <a:extLst>
+              <a:ext uri="{FF2B5EF4-FFF2-40B4-BE49-F238E27FC236}">
+                <a16:creationId xmlns:a16="http://schemas.microsoft.com/office/drawing/2014/main" id="{25DEBCE0-0E26-44FB-B71B-3E66CCCF78AE}"/>
+              </a:ext>
+            </a:extLst>
+          </p:cNvPr>
+          <p:cNvPicPr>
+            <a:picLocks noChangeAspect="1"/>
+          </p:cNvPicPr>
+          <p:nvPr/>
+        </p:nvPicPr>
+        <p:blipFill rotWithShape="1">
+          <a:blip r:embed="rId2"/>
+          <a:srcRect l="5898" t="18641" r="51213"/>
+          <a:stretch/>
+        </p:blipFill>
+        <p:spPr>
+          <a:xfrm>
+            <a:off x="719090" y="1278384"/>
+            <a:ext cx="5228949" cy="5579616"/>
+          </a:xfrm>
+          <a:prstGeom prst="rect">
+            <a:avLst/>
+          </a:prstGeom>
+        </p:spPr>
+      </p:pic>
+      <p:pic>
+        <p:nvPicPr>
+          <p:cNvPr id="8" name="Picture 7">
+            <a:extLst>
+              <a:ext uri="{FF2B5EF4-FFF2-40B4-BE49-F238E27FC236}">
+                <a16:creationId xmlns:a16="http://schemas.microsoft.com/office/drawing/2014/main" id="{32405781-F814-41A6-8A07-36265FE5A7B1}"/>
+              </a:ext>
+            </a:extLst>
+          </p:cNvPr>
+          <p:cNvPicPr>
+            <a:picLocks noChangeAspect="1"/>
+          </p:cNvPicPr>
+          <p:nvPr/>
+        </p:nvPicPr>
+        <p:blipFill rotWithShape="1">
+          <a:blip r:embed="rId3"/>
+          <a:srcRect l="6824" t="18641" r="51214"/>
+          <a:stretch/>
+        </p:blipFill>
+        <p:spPr>
+          <a:xfrm>
+            <a:off x="6096000" y="1278384"/>
+            <a:ext cx="5116021" cy="5579617"/>
+          </a:xfrm>
+          <a:prstGeom prst="rect">
+            <a:avLst/>
+          </a:prstGeom>
+        </p:spPr>
+      </p:pic>
+      <p:sp>
+        <p:nvSpPr>
+          <p:cNvPr id="9" name="TextBox 8">
+            <a:extLst>
+              <a:ext uri="{FF2B5EF4-FFF2-40B4-BE49-F238E27FC236}">
+                <a16:creationId xmlns:a16="http://schemas.microsoft.com/office/drawing/2014/main" id="{D33E84A2-7C9C-4CAF-AB5A-2F53376C7C8E}"/>
+              </a:ext>
+            </a:extLst>
+          </p:cNvPr>
+          <p:cNvSpPr txBox="1"/>
+          <p:nvPr/>
+        </p:nvSpPr>
+        <p:spPr>
+          <a:xfrm>
+            <a:off x="7525821" y="909052"/>
+            <a:ext cx="2564613" cy="369332"/>
+          </a:xfrm>
+          <a:prstGeom prst="rect">
+            <a:avLst/>
+          </a:prstGeom>
+          <a:noFill/>
+        </p:spPr>
+        <p:txBody>
+          <a:bodyPr wrap="none" rtlCol="0">
+            <a:spAutoFit/>
+          </a:bodyPr>
+          <a:lstStyle/>
+          <a:p>
+            <a:pPr marL="0" marR="0" lvl="0" indent="0" algn="l" defTabSz="914400" rtl="0" eaLnBrk="1" fontAlgn="auto" latinLnBrk="0" hangingPunct="1">
+              <a:lnSpc>
+                <a:spcPct val="100000"/>
+              </a:lnSpc>
+              <a:spcBef>
+                <a:spcPts val="0"/>
+              </a:spcBef>
+              <a:spcAft>
+                <a:spcPts val="0"/>
+              </a:spcAft>
+              <a:buClrTx/>
+              <a:buSzTx/>
+              <a:buFontTx/>
+              <a:buNone/>
+              <a:tabLst/>
+              <a:defRPr/>
+            </a:pPr>
+            <a:r>
+              <a:rPr lang="en-US" dirty="0">
+                <a:solidFill>
+                  <a:prstClr val="black"/>
+                </a:solidFill>
+                <a:latin typeface="Calibri" panose="020F0502020204030204"/>
+              </a:rPr>
+              <a:t>Left to right shunt lesion</a:t>
+            </a:r>
+            <a:endParaRPr kumimoji="0" lang="en-US" sz="1800" b="0" i="0" u="none" strike="noStrike" kern="1200" cap="none" spc="0" normalizeH="0" baseline="0" noProof="0" dirty="0">
+              <a:ln>
+                <a:noFill/>
+              </a:ln>
+              <a:solidFill>
+                <a:prstClr val="black"/>
+              </a:solidFill>
+              <a:effectLst/>
+              <a:uLnTx/>
+              <a:uFillTx/>
+              <a:latin typeface="Calibri" panose="020F0502020204030204"/>
+              <a:ea typeface="+mn-ea"/>
+              <a:cs typeface="+mn-cs"/>
+            </a:endParaRPr>
+          </a:p>
+        </p:txBody>
+      </p:sp>
+    </p:spTree>
+    <p:extLst>
+      <p:ext uri="{BB962C8B-B14F-4D97-AF65-F5344CB8AC3E}">
+        <p14:creationId xmlns:p14="http://schemas.microsoft.com/office/powerpoint/2010/main" val="1723884224"/>
+      </p:ext>
+    </p:extLst>
+  </p:cSld>
+  <p:clrMapOvr>
+    <a:masterClrMapping/>
+  </p:clrMapOvr>
+</p:sld>
+</file>
+
+<file path=ppt/slides/slide5.xml><?xml version="1.0" encoding="utf-8"?>
+<p:sld xmlns:a="http://schemas.openxmlformats.org/drawingml/2006/main" xmlns:r="http://schemas.openxmlformats.org/officeDocument/2006/relationships" xmlns:p="http://schemas.openxmlformats.org/presentationml/2006/main">
+  <p:cSld>
+    <p:spTree>
+      <p:nvGrpSpPr>
+        <p:cNvPr id="1" name=""/>
+        <p:cNvGrpSpPr/>
+        <p:nvPr/>
+      </p:nvGrpSpPr>
+      <p:grpSpPr>
+        <a:xfrm>
+          <a:off x="0" y="0"/>
+          <a:ext cx="0" cy="0"/>
+          <a:chOff x="0" y="0"/>
+          <a:chExt cx="0" cy="0"/>
+        </a:xfrm>
+      </p:grpSpPr>
+      <p:sp>
+        <p:nvSpPr>
+          <p:cNvPr id="2" name="TextBox 1">
+            <a:extLst>
+              <a:ext uri="{FF2B5EF4-FFF2-40B4-BE49-F238E27FC236}">
+                <a16:creationId xmlns:a16="http://schemas.microsoft.com/office/drawing/2014/main" id="{46DEC491-F6CD-4949-8C74-19ABD374F856}"/>
+              </a:ext>
+            </a:extLst>
+          </p:cNvPr>
+          <p:cNvSpPr txBox="1"/>
+          <p:nvPr/>
+        </p:nvSpPr>
+        <p:spPr>
+          <a:xfrm>
+            <a:off x="3383871" y="324328"/>
+            <a:ext cx="5424257" cy="523220"/>
+          </a:xfrm>
+          <a:prstGeom prst="rect">
+            <a:avLst/>
+          </a:prstGeom>
+          <a:noFill/>
+        </p:spPr>
+        <p:txBody>
+          <a:bodyPr wrap="square" rtlCol="0">
+            <a:spAutoFit/>
+          </a:bodyPr>
+          <a:lstStyle/>
+          <a:p>
+            <a:pPr marL="0" marR="0" lvl="0" indent="0" algn="l" defTabSz="914400" rtl="0" eaLnBrk="1" fontAlgn="auto" latinLnBrk="0" hangingPunct="1">
+              <a:lnSpc>
+                <a:spcPct val="100000"/>
+              </a:lnSpc>
+              <a:spcBef>
+                <a:spcPts val="0"/>
+              </a:spcBef>
+              <a:spcAft>
+                <a:spcPts val="0"/>
+              </a:spcAft>
+              <a:buClrTx/>
+              <a:buSzTx/>
+              <a:buFontTx/>
+              <a:buNone/>
+              <a:tabLst/>
+              <a:defRPr/>
+            </a:pPr>
+            <a:r>
+              <a:rPr kumimoji="0" lang="en-US" sz="2800" b="0" i="0" u="none" strike="noStrike" kern="1200" cap="none" spc="0" normalizeH="0" baseline="0" noProof="0" dirty="0">
+                <a:ln>
+                  <a:noFill/>
+                </a:ln>
+                <a:solidFill>
+                  <a:prstClr val="black"/>
+                </a:solidFill>
+                <a:effectLst/>
+                <a:uLnTx/>
+                <a:uFillTx/>
+                <a:latin typeface="Calibri" panose="020F0502020204030204"/>
+                <a:ea typeface="+mn-ea"/>
+                <a:cs typeface="+mn-cs"/>
+              </a:rPr>
+              <a:t>Number of Patients with Surfactant</a:t>
+            </a:r>
+          </a:p>
+        </p:txBody>
+      </p:sp>
+      <p:pic>
+        <p:nvPicPr>
+          <p:cNvPr id="3" name="Picture 2">
+            <a:extLst>
+              <a:ext uri="{FF2B5EF4-FFF2-40B4-BE49-F238E27FC236}">
+                <a16:creationId xmlns:a16="http://schemas.microsoft.com/office/drawing/2014/main" id="{9EDEA9F8-8208-4178-AE1B-C3257A5C53AC}"/>
+              </a:ext>
+            </a:extLst>
+          </p:cNvPr>
+          <p:cNvPicPr>
+            <a:picLocks noChangeAspect="1"/>
+          </p:cNvPicPr>
+          <p:nvPr/>
+        </p:nvPicPr>
+        <p:blipFill rotWithShape="1">
+          <a:blip r:embed="rId2"/>
+          <a:srcRect l="7500" t="19676" r="51141"/>
+          <a:stretch/>
+        </p:blipFill>
+        <p:spPr>
+          <a:xfrm>
+            <a:off x="443883" y="1349406"/>
+            <a:ext cx="5042517" cy="5508594"/>
+          </a:xfrm>
+          <a:prstGeom prst="rect">
+            <a:avLst/>
+          </a:prstGeom>
+        </p:spPr>
+      </p:pic>
+      <p:sp>
+        <p:nvSpPr>
+          <p:cNvPr id="4" name="TextBox 3">
+            <a:extLst>
+              <a:ext uri="{FF2B5EF4-FFF2-40B4-BE49-F238E27FC236}">
+                <a16:creationId xmlns:a16="http://schemas.microsoft.com/office/drawing/2014/main" id="{419F0AEB-72F4-4AC7-8C39-794C7F897B48}"/>
+              </a:ext>
+            </a:extLst>
+          </p:cNvPr>
+          <p:cNvSpPr txBox="1"/>
+          <p:nvPr/>
+        </p:nvSpPr>
+        <p:spPr>
+          <a:xfrm>
+            <a:off x="2048260" y="875934"/>
+            <a:ext cx="1708609" cy="369332"/>
+          </a:xfrm>
+          <a:prstGeom prst="rect">
+            <a:avLst/>
+          </a:prstGeom>
+          <a:noFill/>
+        </p:spPr>
+        <p:txBody>
+          <a:bodyPr wrap="none" rtlCol="0">
+            <a:spAutoFit/>
+          </a:bodyPr>
+          <a:lstStyle/>
+          <a:p>
+            <a:pPr marL="0" marR="0" lvl="0" indent="0" algn="l" defTabSz="914400" rtl="0" eaLnBrk="1" fontAlgn="auto" latinLnBrk="0" hangingPunct="1">
+              <a:lnSpc>
+                <a:spcPct val="100000"/>
+              </a:lnSpc>
+              <a:spcBef>
+                <a:spcPts val="0"/>
+              </a:spcBef>
+              <a:spcAft>
+                <a:spcPts val="0"/>
+              </a:spcAft>
+              <a:buClrTx/>
+              <a:buSzTx/>
+              <a:buFontTx/>
+              <a:buNone/>
+              <a:tabLst/>
+              <a:defRPr/>
+            </a:pPr>
+            <a:r>
+              <a:rPr kumimoji="0" lang="en-US" sz="1800" b="0" i="0" u="none" strike="noStrike" kern="1200" cap="none" spc="0" normalizeH="0" baseline="0" noProof="0" dirty="0">
+                <a:ln>
+                  <a:noFill/>
+                </a:ln>
+                <a:solidFill>
+                  <a:prstClr val="black"/>
+                </a:solidFill>
+                <a:effectLst/>
+                <a:uLnTx/>
+                <a:uFillTx/>
+                <a:latin typeface="Calibri" panose="020F0502020204030204"/>
+                <a:ea typeface="+mn-ea"/>
+                <a:cs typeface="+mn-cs"/>
+              </a:rPr>
+              <a:t>Right side lesion</a:t>
+            </a:r>
+          </a:p>
+        </p:txBody>
+      </p:sp>
+      <p:pic>
+        <p:nvPicPr>
+          <p:cNvPr id="5" name="Picture 4">
+            <a:extLst>
+              <a:ext uri="{FF2B5EF4-FFF2-40B4-BE49-F238E27FC236}">
+                <a16:creationId xmlns:a16="http://schemas.microsoft.com/office/drawing/2014/main" id="{9D521619-D4BB-4099-AACC-97A27246DEA7}"/>
+              </a:ext>
+            </a:extLst>
+          </p:cNvPr>
+          <p:cNvPicPr>
+            <a:picLocks noChangeAspect="1"/>
+          </p:cNvPicPr>
+          <p:nvPr/>
+        </p:nvPicPr>
+        <p:blipFill rotWithShape="1">
+          <a:blip r:embed="rId3"/>
+          <a:srcRect l="7647" t="19676" r="49999"/>
+          <a:stretch/>
+        </p:blipFill>
+        <p:spPr>
+          <a:xfrm>
+            <a:off x="5681708" y="1245266"/>
+            <a:ext cx="5163846" cy="5508594"/>
+          </a:xfrm>
+          <a:prstGeom prst="rect">
+            <a:avLst/>
+          </a:prstGeom>
+        </p:spPr>
+      </p:pic>
+      <p:sp>
+        <p:nvSpPr>
+          <p:cNvPr id="6" name="TextBox 5">
+            <a:extLst>
+              <a:ext uri="{FF2B5EF4-FFF2-40B4-BE49-F238E27FC236}">
+                <a16:creationId xmlns:a16="http://schemas.microsoft.com/office/drawing/2014/main" id="{6576BB49-F00E-46AC-99CF-1A12C49EA71B}"/>
+              </a:ext>
+            </a:extLst>
+          </p:cNvPr>
+          <p:cNvSpPr txBox="1"/>
+          <p:nvPr/>
+        </p:nvSpPr>
+        <p:spPr>
+          <a:xfrm>
+            <a:off x="7409326" y="730936"/>
+            <a:ext cx="1583639" cy="369332"/>
+          </a:xfrm>
+          <a:prstGeom prst="rect">
+            <a:avLst/>
+          </a:prstGeom>
+          <a:noFill/>
+        </p:spPr>
+        <p:txBody>
+          <a:bodyPr wrap="none" rtlCol="0">
+            <a:spAutoFit/>
+          </a:bodyPr>
+          <a:lstStyle/>
+          <a:p>
+            <a:pPr marL="0" marR="0" lvl="0" indent="0" algn="l" defTabSz="914400" rtl="0" eaLnBrk="1" fontAlgn="auto" latinLnBrk="0" hangingPunct="1">
+              <a:lnSpc>
+                <a:spcPct val="100000"/>
+              </a:lnSpc>
+              <a:spcBef>
+                <a:spcPts val="0"/>
+              </a:spcBef>
+              <a:spcAft>
+                <a:spcPts val="0"/>
+              </a:spcAft>
+              <a:buClrTx/>
+              <a:buSzTx/>
+              <a:buFontTx/>
+              <a:buNone/>
+              <a:tabLst/>
+              <a:defRPr/>
+            </a:pPr>
+            <a:r>
+              <a:rPr kumimoji="0" lang="en-US" sz="1800" b="0" i="0" u="none" strike="noStrike" kern="1200" cap="none" spc="0" normalizeH="0" baseline="0" noProof="0" dirty="0">
+                <a:ln>
+                  <a:noFill/>
+                </a:ln>
+                <a:solidFill>
+                  <a:prstClr val="black"/>
+                </a:solidFill>
+                <a:effectLst/>
+                <a:uLnTx/>
+                <a:uFillTx/>
+                <a:latin typeface="Calibri" panose="020F0502020204030204"/>
+                <a:ea typeface="+mn-ea"/>
+                <a:cs typeface="+mn-cs"/>
+              </a:rPr>
+              <a:t>Left side lesion</a:t>
+            </a:r>
+          </a:p>
+        </p:txBody>
+      </p:sp>
+    </p:spTree>
+    <p:extLst>
+      <p:ext uri="{BB962C8B-B14F-4D97-AF65-F5344CB8AC3E}">
+        <p14:creationId xmlns:p14="http://schemas.microsoft.com/office/powerpoint/2010/main" val="2135568483"/>
+      </p:ext>
+    </p:extLst>
+  </p:cSld>
+  <p:clrMapOvr>
+    <a:masterClrMapping/>
+  </p:clrMapOvr>
+</p:sld>
+</file>
+
+<file path=ppt/slides/slide6.xml><?xml version="1.0" encoding="utf-8"?>
+<p:sld xmlns:a="http://schemas.openxmlformats.org/drawingml/2006/main" xmlns:r="http://schemas.openxmlformats.org/officeDocument/2006/relationships" xmlns:p="http://schemas.openxmlformats.org/presentationml/2006/main">
+  <p:cSld>
+    <p:spTree>
+      <p:nvGrpSpPr>
+        <p:cNvPr id="1" name=""/>
+        <p:cNvGrpSpPr/>
+        <p:nvPr/>
+      </p:nvGrpSpPr>
+      <p:grpSpPr>
+        <a:xfrm>
+          <a:off x="0" y="0"/>
+          <a:ext cx="0" cy="0"/>
+          <a:chOff x="0" y="0"/>
+          <a:chExt cx="0" cy="0"/>
+        </a:xfrm>
+      </p:grpSpPr>
+      <p:sp>
+        <p:nvSpPr>
+          <p:cNvPr id="2" name="TextBox 1">
+            <a:extLst>
+              <a:ext uri="{FF2B5EF4-FFF2-40B4-BE49-F238E27FC236}">
+                <a16:creationId xmlns:a16="http://schemas.microsoft.com/office/drawing/2014/main" id="{1D23A081-9BB1-4D2D-B47C-14568459516D}"/>
+              </a:ext>
+            </a:extLst>
+          </p:cNvPr>
+          <p:cNvSpPr txBox="1"/>
+          <p:nvPr/>
+        </p:nvSpPr>
+        <p:spPr>
+          <a:xfrm>
+            <a:off x="3613212" y="372861"/>
+            <a:ext cx="5424257" cy="523220"/>
+          </a:xfrm>
+          <a:prstGeom prst="rect">
+            <a:avLst/>
+          </a:prstGeom>
+          <a:noFill/>
+        </p:spPr>
+        <p:txBody>
+          <a:bodyPr wrap="square" rtlCol="0">
+            <a:spAutoFit/>
+          </a:bodyPr>
+          <a:lstStyle/>
+          <a:p>
+            <a:pPr marL="0" marR="0" lvl="0" indent="0" algn="l" defTabSz="914400" rtl="0" eaLnBrk="1" fontAlgn="auto" latinLnBrk="0" hangingPunct="1">
+              <a:lnSpc>
+                <a:spcPct val="100000"/>
+              </a:lnSpc>
+              <a:spcBef>
+                <a:spcPts val="0"/>
+              </a:spcBef>
+              <a:spcAft>
+                <a:spcPts val="0"/>
+              </a:spcAft>
+              <a:buClrTx/>
+              <a:buSzTx/>
+              <a:buFontTx/>
+              <a:buNone/>
+              <a:tabLst/>
+              <a:defRPr/>
+            </a:pPr>
+            <a:r>
+              <a:rPr kumimoji="0" lang="en-US" sz="2800" b="0" i="0" u="none" strike="noStrike" kern="1200" cap="none" spc="0" normalizeH="0" baseline="0" noProof="0" dirty="0">
+                <a:ln>
+                  <a:noFill/>
+                </a:ln>
+                <a:solidFill>
+                  <a:prstClr val="black"/>
+                </a:solidFill>
+                <a:effectLst/>
+                <a:uLnTx/>
+                <a:uFillTx/>
+                <a:latin typeface="Calibri" panose="020F0502020204030204"/>
+                <a:ea typeface="+mn-ea"/>
+                <a:cs typeface="+mn-cs"/>
+              </a:rPr>
+              <a:t>Number of Patients with Surfactant</a:t>
+            </a:r>
+          </a:p>
+        </p:txBody>
+      </p:sp>
+      <p:pic>
+        <p:nvPicPr>
+          <p:cNvPr id="3" name="Picture 2">
+            <a:extLst>
+              <a:ext uri="{FF2B5EF4-FFF2-40B4-BE49-F238E27FC236}">
+                <a16:creationId xmlns:a16="http://schemas.microsoft.com/office/drawing/2014/main" id="{D40DF3C6-808E-4680-A35E-851692F000CF}"/>
+              </a:ext>
+            </a:extLst>
+          </p:cNvPr>
+          <p:cNvPicPr>
+            <a:picLocks noChangeAspect="1"/>
+          </p:cNvPicPr>
+          <p:nvPr/>
+        </p:nvPicPr>
+        <p:blipFill rotWithShape="1">
+          <a:blip r:embed="rId2"/>
+          <a:srcRect l="8155" t="19547" r="50922"/>
+          <a:stretch/>
+        </p:blipFill>
+        <p:spPr>
+          <a:xfrm>
+            <a:off x="994298" y="1340528"/>
+            <a:ext cx="4989251" cy="5517472"/>
+          </a:xfrm>
+          <a:prstGeom prst="rect">
+            <a:avLst/>
+          </a:prstGeom>
+        </p:spPr>
+      </p:pic>
+      <p:sp>
+        <p:nvSpPr>
+          <p:cNvPr id="4" name="TextBox 3">
+            <a:extLst>
+              <a:ext uri="{FF2B5EF4-FFF2-40B4-BE49-F238E27FC236}">
+                <a16:creationId xmlns:a16="http://schemas.microsoft.com/office/drawing/2014/main" id="{AB34FA19-88B0-4E94-A487-9D2BA147E11F}"/>
+              </a:ext>
+            </a:extLst>
+          </p:cNvPr>
+          <p:cNvSpPr txBox="1"/>
+          <p:nvPr/>
+        </p:nvSpPr>
+        <p:spPr>
+          <a:xfrm>
+            <a:off x="2403366" y="896081"/>
+            <a:ext cx="1361783" cy="369332"/>
+          </a:xfrm>
+          <a:prstGeom prst="rect">
+            <a:avLst/>
+          </a:prstGeom>
+          <a:noFill/>
+        </p:spPr>
+        <p:txBody>
+          <a:bodyPr wrap="none" rtlCol="0">
+            <a:spAutoFit/>
+          </a:bodyPr>
+          <a:lstStyle/>
+          <a:p>
+            <a:pPr marL="0" marR="0" lvl="0" indent="0" algn="l" defTabSz="914400" rtl="0" eaLnBrk="1" fontAlgn="auto" latinLnBrk="0" hangingPunct="1">
+              <a:lnSpc>
+                <a:spcPct val="100000"/>
+              </a:lnSpc>
+              <a:spcBef>
+                <a:spcPts val="0"/>
+              </a:spcBef>
+              <a:spcAft>
+                <a:spcPts val="0"/>
+              </a:spcAft>
+              <a:buClrTx/>
+              <a:buSzTx/>
+              <a:buFontTx/>
+              <a:buNone/>
+              <a:tabLst/>
+              <a:defRPr/>
+            </a:pPr>
+            <a:r>
+              <a:rPr kumimoji="0" lang="en-US" sz="1800" b="0" i="0" u="none" strike="noStrike" kern="1200" cap="none" spc="0" normalizeH="0" baseline="0" noProof="0" dirty="0">
+                <a:ln>
+                  <a:noFill/>
+                </a:ln>
+                <a:solidFill>
+                  <a:prstClr val="black"/>
+                </a:solidFill>
+                <a:effectLst/>
+                <a:uLnTx/>
+                <a:uFillTx/>
+                <a:latin typeface="Calibri" panose="020F0502020204030204"/>
+                <a:ea typeface="+mn-ea"/>
+                <a:cs typeface="+mn-cs"/>
+              </a:rPr>
+              <a:t>Heart failure</a:t>
+            </a:r>
+          </a:p>
+        </p:txBody>
+      </p:sp>
+      <p:pic>
+        <p:nvPicPr>
+          <p:cNvPr id="5" name="Picture 4">
+            <a:extLst>
+              <a:ext uri="{FF2B5EF4-FFF2-40B4-BE49-F238E27FC236}">
+                <a16:creationId xmlns:a16="http://schemas.microsoft.com/office/drawing/2014/main" id="{3F60341F-4343-41F9-99D2-5F00418B6EBD}"/>
+              </a:ext>
+            </a:extLst>
+          </p:cNvPr>
+          <p:cNvPicPr>
+            <a:picLocks noChangeAspect="1"/>
+          </p:cNvPicPr>
+          <p:nvPr/>
+        </p:nvPicPr>
+        <p:blipFill rotWithShape="1">
+          <a:blip r:embed="rId3"/>
+          <a:srcRect l="8155" t="19547" r="50922"/>
+          <a:stretch/>
+        </p:blipFill>
+        <p:spPr>
+          <a:xfrm>
+            <a:off x="6325340" y="1340528"/>
+            <a:ext cx="4989251" cy="5517473"/>
+          </a:xfrm>
+          <a:prstGeom prst="rect">
+            <a:avLst/>
+          </a:prstGeom>
+        </p:spPr>
+      </p:pic>
+      <p:sp>
+        <p:nvSpPr>
+          <p:cNvPr id="6" name="TextBox 5">
+            <a:extLst>
+              <a:ext uri="{FF2B5EF4-FFF2-40B4-BE49-F238E27FC236}">
+                <a16:creationId xmlns:a16="http://schemas.microsoft.com/office/drawing/2014/main" id="{748C1045-695C-4544-A047-9CE888023241}"/>
+              </a:ext>
+            </a:extLst>
+          </p:cNvPr>
+          <p:cNvSpPr txBox="1"/>
+          <p:nvPr/>
+        </p:nvSpPr>
+        <p:spPr>
+          <a:xfrm>
+            <a:off x="7536139" y="933638"/>
+            <a:ext cx="3210366" cy="369332"/>
+          </a:xfrm>
+          <a:prstGeom prst="rect">
+            <a:avLst/>
+          </a:prstGeom>
+          <a:noFill/>
+        </p:spPr>
+        <p:txBody>
+          <a:bodyPr wrap="none" rtlCol="0">
+            <a:spAutoFit/>
+          </a:bodyPr>
+          <a:lstStyle/>
+          <a:p>
+            <a:pPr marL="0" marR="0" lvl="0" indent="0" algn="l" defTabSz="914400" rtl="0" eaLnBrk="1" fontAlgn="auto" latinLnBrk="0" hangingPunct="1">
+              <a:lnSpc>
+                <a:spcPct val="100000"/>
+              </a:lnSpc>
+              <a:spcBef>
+                <a:spcPts val="0"/>
+              </a:spcBef>
+              <a:spcAft>
+                <a:spcPts val="0"/>
+              </a:spcAft>
+              <a:buClrTx/>
+              <a:buSzTx/>
+              <a:buFontTx/>
+              <a:buNone/>
+              <a:tabLst/>
+              <a:defRPr/>
+            </a:pPr>
+            <a:r>
+              <a:rPr kumimoji="0" lang="en-US" sz="1800" b="0" i="0" u="none" strike="noStrike" kern="1200" cap="none" spc="0" normalizeH="0" baseline="0" noProof="0" dirty="0">
+                <a:ln>
+                  <a:noFill/>
+                </a:ln>
+                <a:solidFill>
+                  <a:prstClr val="black"/>
+                </a:solidFill>
+                <a:effectLst/>
+                <a:uLnTx/>
+                <a:uFillTx/>
+                <a:latin typeface="Calibri" panose="020F0502020204030204"/>
+                <a:ea typeface="+mn-ea"/>
+                <a:cs typeface="+mn-cs"/>
+              </a:rPr>
+              <a:t>Transposition of the great vessel</a:t>
+            </a:r>
+          </a:p>
+        </p:txBody>
+      </p:sp>
+    </p:spTree>
+    <p:extLst>
+      <p:ext uri="{BB962C8B-B14F-4D97-AF65-F5344CB8AC3E}">
+        <p14:creationId xmlns:p14="http://schemas.microsoft.com/office/powerpoint/2010/main" val="3096290180"/>
+      </p:ext>
+    </p:extLst>
+  </p:cSld>
+  <p:clrMapOvr>
+    <a:masterClrMapping/>
+  </p:clrMapOvr>
+</p:sld>
+</file>
+
+<file path=ppt/slides/slide7.xml><?xml version="1.0" encoding="utf-8"?>
+<p:sld xmlns:a="http://schemas.openxmlformats.org/drawingml/2006/main" xmlns:r="http://schemas.openxmlformats.org/officeDocument/2006/relationships" xmlns:p="http://schemas.openxmlformats.org/presentationml/2006/main">
+  <p:cSld>
+    <p:spTree>
+      <p:nvGrpSpPr>
+        <p:cNvPr id="1" name=""/>
+        <p:cNvGrpSpPr/>
+        <p:nvPr/>
+      </p:nvGrpSpPr>
+      <p:grpSpPr>
+        <a:xfrm>
+          <a:off x="0" y="0"/>
+          <a:ext cx="0" cy="0"/>
+          <a:chOff x="0" y="0"/>
+          <a:chExt cx="0" cy="0"/>
+        </a:xfrm>
+      </p:grpSpPr>
+      <p:pic>
+        <p:nvPicPr>
+          <p:cNvPr id="2" name="Picture 1">
+            <a:extLst>
+              <a:ext uri="{FF2B5EF4-FFF2-40B4-BE49-F238E27FC236}">
+                <a16:creationId xmlns:a16="http://schemas.microsoft.com/office/drawing/2014/main" id="{7BED65D8-0C69-428E-9A29-596DA1D09D00}"/>
+              </a:ext>
+            </a:extLst>
+          </p:cNvPr>
+          <p:cNvPicPr>
+            <a:picLocks noChangeAspect="1"/>
+          </p:cNvPicPr>
+          <p:nvPr/>
+        </p:nvPicPr>
+        <p:blipFill rotWithShape="1">
+          <a:blip r:embed="rId2"/>
+          <a:srcRect l="48349" t="36412" r="4029" b="15462"/>
+          <a:stretch/>
+        </p:blipFill>
+        <p:spPr>
+          <a:xfrm>
+            <a:off x="1213488" y="1089734"/>
+            <a:ext cx="8511159" cy="4678532"/>
+          </a:xfrm>
+          <a:prstGeom prst="rect">
+            <a:avLst/>
+          </a:prstGeom>
+        </p:spPr>
+      </p:pic>
+    </p:spTree>
+    <p:extLst>
+      <p:ext uri="{BB962C8B-B14F-4D97-AF65-F5344CB8AC3E}">
+        <p14:creationId xmlns:p14="http://schemas.microsoft.com/office/powerpoint/2010/main" val="3442684342"/>
+      </p:ext>
+    </p:extLst>
+  </p:cSld>
+  <p:clrMapOvr>
+    <a:masterClrMapping/>
+  </p:clrMapOvr>
+</p:sld>
+</file>
+
+<file path=ppt/slides/slide8.xml><?xml version="1.0" encoding="utf-8"?>
+<p:sld xmlns:a="http://schemas.openxmlformats.org/drawingml/2006/main" xmlns:r="http://schemas.openxmlformats.org/officeDocument/2006/relationships" xmlns:p="http://schemas.openxmlformats.org/presentationml/2006/main">
+  <p:cSld>
+    <p:bg>
+      <p:bgPr>
+        <a:solidFill>
+          <a:schemeClr val="bg1">
+            <a:tint val="95000"/>
+            <a:satMod val="170000"/>
+          </a:schemeClr>
+        </a:solidFill>
+        <a:effectLst/>
+      </p:bgPr>
+    </p:bg>
+    <p:spTree>
+      <p:nvGrpSpPr>
+        <p:cNvPr id="1" name=""/>
+        <p:cNvGrpSpPr/>
+        <p:nvPr/>
+      </p:nvGrpSpPr>
+      <p:grpSpPr>
+        <a:xfrm>
+          <a:off x="0" y="0"/>
+          <a:ext cx="0" cy="0"/>
+          <a:chOff x="0" y="0"/>
+          <a:chExt cx="0" cy="0"/>
+        </a:xfrm>
+      </p:grpSpPr>
+      <p:sp>
+        <p:nvSpPr>
+          <p:cNvPr id="2" name="TextBox 1">
+            <a:extLst>
+              <a:ext uri="{FF2B5EF4-FFF2-40B4-BE49-F238E27FC236}">
+                <a16:creationId xmlns:a16="http://schemas.microsoft.com/office/drawing/2014/main" id="{0720D290-F089-470C-A860-760FDD74CBD3}"/>
+              </a:ext>
+            </a:extLst>
+          </p:cNvPr>
+          <p:cNvSpPr txBox="1"/>
+          <p:nvPr/>
+        </p:nvSpPr>
+        <p:spPr>
+          <a:xfrm>
+            <a:off x="762001" y="803325"/>
+            <a:ext cx="5314536" cy="1325563"/>
+          </a:xfrm>
+          <a:prstGeom prst="rect">
+            <a:avLst/>
+          </a:prstGeom>
+        </p:spPr>
+        <p:txBody>
+          <a:bodyPr vert="horz" lIns="91440" tIns="45720" rIns="91440" bIns="45720" rtlCol="0" anchor="ctr">
+            <a:normAutofit/>
+          </a:bodyPr>
+          <a:lstStyle/>
+          <a:p>
+            <a:pPr>
+              <a:lnSpc>
+                <a:spcPct val="90000"/>
+              </a:lnSpc>
+              <a:spcBef>
+                <a:spcPct val="0"/>
+              </a:spcBef>
+              <a:spcAft>
+                <a:spcPts val="600"/>
+              </a:spcAft>
+            </a:pPr>
+            <a:r>
+              <a:rPr lang="en-US" sz="4400" kern="1200">
+                <a:solidFill>
+                  <a:schemeClr val="tx1"/>
+                </a:solidFill>
+                <a:latin typeface="+mj-lt"/>
+                <a:ea typeface="+mj-ea"/>
+                <a:cs typeface="+mj-cs"/>
+              </a:rPr>
+              <a:t>Conclusions</a:t>
+            </a:r>
+          </a:p>
+        </p:txBody>
+      </p:sp>
+      <p:sp>
+        <p:nvSpPr>
+          <p:cNvPr id="3" name="TextBox 2">
+            <a:extLst>
+              <a:ext uri="{FF2B5EF4-FFF2-40B4-BE49-F238E27FC236}">
+                <a16:creationId xmlns:a16="http://schemas.microsoft.com/office/drawing/2014/main" id="{ED217421-B83F-4A65-865E-DDB2E8E819C5}"/>
+              </a:ext>
+            </a:extLst>
+          </p:cNvPr>
+          <p:cNvSpPr txBox="1"/>
+          <p:nvPr/>
+        </p:nvSpPr>
+        <p:spPr>
+          <a:xfrm>
+            <a:off x="762000" y="2279018"/>
+            <a:ext cx="5314543" cy="3375920"/>
+          </a:xfrm>
+          <a:prstGeom prst="rect">
+            <a:avLst/>
+          </a:prstGeom>
+        </p:spPr>
+        <p:txBody>
+          <a:bodyPr vert="horz" lIns="91440" tIns="45720" rIns="91440" bIns="45720" rtlCol="0" anchor="t">
+            <a:normAutofit/>
+          </a:bodyPr>
+          <a:lstStyle/>
+          <a:p>
+            <a:pPr marL="285750" indent="-228600">
+              <a:lnSpc>
+                <a:spcPct val="90000"/>
+              </a:lnSpc>
+              <a:spcAft>
+                <a:spcPts val="600"/>
+              </a:spcAft>
+              <a:buFont typeface="Arial" panose="020B0604020202020204" pitchFamily="34" charset="0"/>
+              <a:buChar char="•"/>
+            </a:pPr>
+            <a:r>
+              <a:rPr lang="en-US"/>
+              <a:t>Surfactant use more prevalent in side lesions</a:t>
+            </a:r>
+          </a:p>
+          <a:p>
+            <a:pPr marL="285750" indent="-228600">
+              <a:lnSpc>
+                <a:spcPct val="90000"/>
+              </a:lnSpc>
+              <a:spcAft>
+                <a:spcPts val="600"/>
+              </a:spcAft>
+              <a:buFont typeface="Arial" panose="020B0604020202020204" pitchFamily="34" charset="0"/>
+              <a:buChar char="•"/>
+            </a:pPr>
+            <a:endParaRPr lang="en-US"/>
+          </a:p>
+          <a:p>
+            <a:pPr marL="285750" indent="-228600">
+              <a:lnSpc>
+                <a:spcPct val="90000"/>
+              </a:lnSpc>
+              <a:spcAft>
+                <a:spcPts val="600"/>
+              </a:spcAft>
+              <a:buFont typeface="Arial" panose="020B0604020202020204" pitchFamily="34" charset="0"/>
+              <a:buChar char="•"/>
+            </a:pPr>
+            <a:r>
+              <a:rPr lang="en-US"/>
+              <a:t>Hospital stay of length of various month is not rare</a:t>
+            </a:r>
+          </a:p>
+          <a:p>
+            <a:pPr marL="285750" indent="-228600">
+              <a:lnSpc>
+                <a:spcPct val="90000"/>
+              </a:lnSpc>
+              <a:spcAft>
+                <a:spcPts val="600"/>
+              </a:spcAft>
+              <a:buFont typeface="Arial" panose="020B0604020202020204" pitchFamily="34" charset="0"/>
+              <a:buChar char="•"/>
+            </a:pPr>
+            <a:endParaRPr lang="en-US"/>
+          </a:p>
+          <a:p>
+            <a:pPr marL="285750" indent="-228600">
+              <a:lnSpc>
+                <a:spcPct val="90000"/>
+              </a:lnSpc>
+              <a:spcAft>
+                <a:spcPts val="600"/>
+              </a:spcAft>
+              <a:buFont typeface="Arial" panose="020B0604020202020204" pitchFamily="34" charset="0"/>
+              <a:buChar char="•"/>
+            </a:pPr>
+            <a:r>
+              <a:rPr lang="en-US"/>
+              <a:t>Variables used to predict the length of stay are not enough to explain the model</a:t>
+            </a:r>
+          </a:p>
+          <a:p>
+            <a:pPr marL="285750" indent="-228600">
+              <a:lnSpc>
+                <a:spcPct val="90000"/>
+              </a:lnSpc>
+              <a:spcAft>
+                <a:spcPts val="600"/>
+              </a:spcAft>
+              <a:buFont typeface="Arial" panose="020B0604020202020204" pitchFamily="34" charset="0"/>
+              <a:buChar char="•"/>
+            </a:pPr>
+            <a:endParaRPr lang="en-US"/>
+          </a:p>
+          <a:p>
+            <a:pPr marL="285750" indent="-228600">
+              <a:lnSpc>
+                <a:spcPct val="90000"/>
+              </a:lnSpc>
+              <a:spcAft>
+                <a:spcPts val="600"/>
+              </a:spcAft>
+              <a:buFont typeface="Arial" panose="020B0604020202020204" pitchFamily="34" charset="0"/>
+              <a:buChar char="•"/>
+            </a:pPr>
+            <a:r>
+              <a:rPr lang="en-US"/>
+              <a:t>It is recommended to use clinical data instead of the billing data to study the length of stay</a:t>
+            </a:r>
+          </a:p>
+        </p:txBody>
+      </p:sp>
+      <p:sp>
+        <p:nvSpPr>
+          <p:cNvPr id="10" name="Freeform: Shape 9">
+            <a:extLst>
+              <a:ext uri="{FF2B5EF4-FFF2-40B4-BE49-F238E27FC236}">
+                <a16:creationId xmlns:a16="http://schemas.microsoft.com/office/drawing/2014/main" id="{CF62D2A7-8207-488C-9F46-316BA81A16C8}"/>
+              </a:ext>
+              <a:ext uri="{C183D7F6-B498-43B3-948B-1728B52AA6E4}">
+                <adec:decorative xmlns:adec="http://schemas.microsoft.com/office/drawing/2017/decorative" val="1"/>
+              </a:ext>
+            </a:extLst>
+          </p:cNvPr>
+          <p:cNvSpPr>
+            <a:spLocks noGrp="1" noRot="1" noChangeAspect="1" noMove="1" noResize="1" noEditPoints="1" noAdjustHandles="1" noChangeArrowheads="1" noChangeShapeType="1" noTextEdit="1"/>
+          </p:cNvSpPr>
+          <p:nvPr>
+            <p:extLst>
+              <p:ext uri="{386F3935-93C4-4BCD-93E2-E3B085C9AB24}">
+                <p16:designElem xmlns:p16="http://schemas.microsoft.com/office/powerpoint/2015/main" val="1"/>
+              </p:ext>
+            </p:extLst>
+          </p:nvPr>
+        </p:nvSpPr>
+        <p:spPr>
+          <a:xfrm flipH="1">
+            <a:off x="6582780" y="-2008"/>
+            <a:ext cx="5609220" cy="5840278"/>
+          </a:xfrm>
+          <a:custGeom>
+            <a:avLst/>
+            <a:gdLst>
+              <a:gd name="connsiteX0" fmla="*/ 0 w 5609220"/>
+              <a:gd name="connsiteY0" fmla="*/ 0 h 5840278"/>
+              <a:gd name="connsiteX1" fmla="*/ 4637091 w 5609220"/>
+              <a:gd name="connsiteY1" fmla="*/ 0 h 5840278"/>
+              <a:gd name="connsiteX2" fmla="*/ 4822569 w 5609220"/>
+              <a:gd name="connsiteY2" fmla="*/ 204077 h 5840278"/>
+              <a:gd name="connsiteX3" fmla="*/ 5609220 w 5609220"/>
+              <a:gd name="connsiteY3" fmla="*/ 2395363 h 5840278"/>
+              <a:gd name="connsiteX4" fmla="*/ 2164305 w 5609220"/>
+              <a:gd name="connsiteY4" fmla="*/ 5840278 h 5840278"/>
+              <a:gd name="connsiteX5" fmla="*/ 238220 w 5609220"/>
+              <a:gd name="connsiteY5" fmla="*/ 5251941 h 5840278"/>
+              <a:gd name="connsiteX6" fmla="*/ 0 w 5609220"/>
+              <a:gd name="connsiteY6" fmla="*/ 5073803 h 5840278"/>
+            </a:gdLst>
+            <a:ahLst/>
+            <a:cxnLst>
+              <a:cxn ang="0">
+                <a:pos x="connsiteX0" y="connsiteY0"/>
+              </a:cxn>
+              <a:cxn ang="0">
+                <a:pos x="connsiteX1" y="connsiteY1"/>
+              </a:cxn>
+              <a:cxn ang="0">
+                <a:pos x="connsiteX2" y="connsiteY2"/>
+              </a:cxn>
+              <a:cxn ang="0">
+                <a:pos x="connsiteX3" y="connsiteY3"/>
+              </a:cxn>
+              <a:cxn ang="0">
+                <a:pos x="connsiteX4" y="connsiteY4"/>
+              </a:cxn>
+              <a:cxn ang="0">
+                <a:pos x="connsiteX5" y="connsiteY5"/>
+              </a:cxn>
+              <a:cxn ang="0">
+                <a:pos x="connsiteX6" y="connsiteY6"/>
+              </a:cxn>
+            </a:cxnLst>
+            <a:rect l="l" t="t" r="r" b="b"/>
+            <a:pathLst>
+              <a:path w="5609220" h="5840278">
+                <a:moveTo>
+                  <a:pt x="0" y="0"/>
+                </a:moveTo>
+                <a:lnTo>
+                  <a:pt x="4637091" y="0"/>
+                </a:lnTo>
+                <a:lnTo>
+                  <a:pt x="4822569" y="204077"/>
+                </a:lnTo>
+                <a:cubicBezTo>
+                  <a:pt x="5314007" y="799562"/>
+                  <a:pt x="5609220" y="1562987"/>
+                  <a:pt x="5609220" y="2395363"/>
+                </a:cubicBezTo>
+                <a:cubicBezTo>
+                  <a:pt x="5609220" y="4297937"/>
+                  <a:pt x="4066879" y="5840278"/>
+                  <a:pt x="2164305" y="5840278"/>
+                </a:cubicBezTo>
+                <a:cubicBezTo>
+                  <a:pt x="1450840" y="5840278"/>
+                  <a:pt x="788032" y="5623387"/>
+                  <a:pt x="238220" y="5251941"/>
+                </a:cubicBezTo>
+                <a:lnTo>
+                  <a:pt x="0" y="5073803"/>
+                </a:lnTo>
+                <a:close/>
+              </a:path>
+            </a:pathLst>
+          </a:custGeom>
+          <a:solidFill>
+            <a:srgbClr val="FFFFFF">
+              <a:alpha val="80000"/>
+            </a:srgbClr>
+          </a:solidFill>
+          <a:ln>
+            <a:noFill/>
+          </a:ln>
+        </p:spPr>
+        <p:style>
+          <a:lnRef idx="2">
+            <a:schemeClr val="accent1">
+              <a:shade val="50000"/>
+            </a:schemeClr>
+          </a:lnRef>
+          <a:fillRef idx="1">
+            <a:schemeClr val="accent1"/>
+          </a:fillRef>
+          <a:effectRef idx="0">
+            <a:schemeClr val="accent1"/>
+          </a:effectRef>
+          <a:fontRef idx="minor">
+            <a:schemeClr val="lt1"/>
+          </a:fontRef>
+        </p:style>
+        <p:txBody>
+          <a:bodyPr rtlCol="0" anchor="ctr"/>
+          <a:lstStyle/>
+          <a:p>
+            <a:pPr marL="0" marR="0" lvl="0" indent="0" algn="ctr" defTabSz="914400" rtl="0" eaLnBrk="1" fontAlgn="auto" latinLnBrk="0" hangingPunct="1">
+              <a:lnSpc>
+                <a:spcPct val="100000"/>
+              </a:lnSpc>
+              <a:spcBef>
+                <a:spcPts val="0"/>
+              </a:spcBef>
+              <a:spcAft>
+                <a:spcPts val="0"/>
+              </a:spcAft>
+              <a:buClrTx/>
+              <a:buSzTx/>
+              <a:buFontTx/>
+              <a:buNone/>
+              <a:tabLst/>
+              <a:defRPr/>
+            </a:pPr>
+            <a:endParaRPr kumimoji="0" lang="en-US" sz="1800" b="0" i="0" u="none" strike="noStrike" kern="1200" cap="none" spc="0" normalizeH="0" baseline="0" noProof="0">
+              <a:ln>
+                <a:noFill/>
+              </a:ln>
+              <a:solidFill>
+                <a:prstClr val="white"/>
+              </a:solidFill>
+              <a:effectLst/>
+              <a:uLnTx/>
+              <a:uFillTx/>
+              <a:latin typeface="Calibri" panose="020F0502020204030204"/>
+              <a:ea typeface="+mn-ea"/>
+              <a:cs typeface="+mn-cs"/>
+            </a:endParaRPr>
+          </a:p>
+        </p:txBody>
+      </p:sp>
+      <p:sp>
+        <p:nvSpPr>
+          <p:cNvPr id="12" name="Freeform: Shape 11">
+            <a:extLst>
+              <a:ext uri="{FF2B5EF4-FFF2-40B4-BE49-F238E27FC236}">
+                <a16:creationId xmlns:a16="http://schemas.microsoft.com/office/drawing/2014/main" id="{52AC6D7F-F068-4E11-BB06-F601D89BB980}"/>
+              </a:ext>
+              <a:ext uri="{C183D7F6-B498-43B3-948B-1728B52AA6E4}">
+                <adec:decorative xmlns:adec="http://schemas.microsoft.com/office/drawing/2017/decorative" val="1"/>
+              </a:ext>
+            </a:extLst>
+          </p:cNvPr>
+          <p:cNvSpPr>
+            <a:spLocks noGrp="1" noRot="1" noChangeAspect="1" noMove="1" noResize="1" noEditPoints="1" noAdjustHandles="1" noChangeArrowheads="1" noChangeShapeType="1" noTextEdit="1"/>
+          </p:cNvSpPr>
+          <p:nvPr>
+            <p:extLst>
+              <p:ext uri="{386F3935-93C4-4BCD-93E2-E3B085C9AB24}">
+                <p16:designElem xmlns:p16="http://schemas.microsoft.com/office/powerpoint/2015/main" val="1"/>
+              </p:ext>
+            </p:extLst>
+          </p:nvPr>
+        </p:nvSpPr>
+        <p:spPr>
+          <a:xfrm>
+            <a:off x="6750141" y="-2"/>
+            <a:ext cx="5441859" cy="5654940"/>
+          </a:xfrm>
+          <a:custGeom>
+            <a:avLst/>
+            <a:gdLst>
+              <a:gd name="connsiteX0" fmla="*/ 1041368 w 5441859"/>
+              <a:gd name="connsiteY0" fmla="*/ 0 h 5654940"/>
+              <a:gd name="connsiteX1" fmla="*/ 5441859 w 5441859"/>
+              <a:gd name="connsiteY1" fmla="*/ 0 h 5654940"/>
+              <a:gd name="connsiteX2" fmla="*/ 5441859 w 5441859"/>
+              <a:gd name="connsiteY2" fmla="*/ 4820612 h 5654940"/>
+              <a:gd name="connsiteX3" fmla="*/ 5285166 w 5441859"/>
+              <a:gd name="connsiteY3" fmla="*/ 4957981 h 5654940"/>
+              <a:gd name="connsiteX4" fmla="*/ 3267719 w 5441859"/>
+              <a:gd name="connsiteY4" fmla="*/ 5654940 h 5654940"/>
+              <a:gd name="connsiteX5" fmla="*/ 0 w 5441859"/>
+              <a:gd name="connsiteY5" fmla="*/ 2387221 h 5654940"/>
+              <a:gd name="connsiteX6" fmla="*/ 957093 w 5441859"/>
+              <a:gd name="connsiteY6" fmla="*/ 76595 h 5654940"/>
+            </a:gdLst>
+            <a:ahLst/>
+            <a:cxnLst>
+              <a:cxn ang="0">
+                <a:pos x="connsiteX0" y="connsiteY0"/>
+              </a:cxn>
+              <a:cxn ang="0">
+                <a:pos x="connsiteX1" y="connsiteY1"/>
+              </a:cxn>
+              <a:cxn ang="0">
+                <a:pos x="connsiteX2" y="connsiteY2"/>
+              </a:cxn>
+              <a:cxn ang="0">
+                <a:pos x="connsiteX3" y="connsiteY3"/>
+              </a:cxn>
+              <a:cxn ang="0">
+                <a:pos x="connsiteX4" y="connsiteY4"/>
+              </a:cxn>
+              <a:cxn ang="0">
+                <a:pos x="connsiteX5" y="connsiteY5"/>
+              </a:cxn>
+              <a:cxn ang="0">
+                <a:pos x="connsiteX6" y="connsiteY6"/>
+              </a:cxn>
+            </a:cxnLst>
+            <a:rect l="l" t="t" r="r" b="b"/>
+            <a:pathLst>
+              <a:path w="5441859" h="5654940">
+                <a:moveTo>
+                  <a:pt x="1041368" y="0"/>
+                </a:moveTo>
+                <a:lnTo>
+                  <a:pt x="5441859" y="0"/>
+                </a:lnTo>
+                <a:lnTo>
+                  <a:pt x="5441859" y="4820612"/>
+                </a:lnTo>
+                <a:lnTo>
+                  <a:pt x="5285166" y="4957981"/>
+                </a:lnTo>
+                <a:cubicBezTo>
+                  <a:pt x="4729628" y="5394557"/>
+                  <a:pt x="4029081" y="5654940"/>
+                  <a:pt x="3267719" y="5654940"/>
+                </a:cubicBezTo>
+                <a:cubicBezTo>
+                  <a:pt x="1463008" y="5654940"/>
+                  <a:pt x="0" y="4191932"/>
+                  <a:pt x="0" y="2387221"/>
+                </a:cubicBezTo>
+                <a:cubicBezTo>
+                  <a:pt x="0" y="1484866"/>
+                  <a:pt x="365752" y="667936"/>
+                  <a:pt x="957093" y="76595"/>
+                </a:cubicBezTo>
+                <a:close/>
+              </a:path>
+            </a:pathLst>
+          </a:custGeom>
+          <a:solidFill>
+            <a:schemeClr val="tx1"/>
+          </a:solidFill>
+          <a:ln>
+            <a:noFill/>
+          </a:ln>
+        </p:spPr>
+        <p:style>
+          <a:lnRef idx="2">
+            <a:schemeClr val="accent1">
+              <a:shade val="50000"/>
+            </a:schemeClr>
+          </a:lnRef>
+          <a:fillRef idx="1">
+            <a:schemeClr val="accent1"/>
+          </a:fillRef>
+          <a:effectRef idx="0">
+            <a:schemeClr val="accent1"/>
+          </a:effectRef>
+          <a:fontRef idx="minor">
+            <a:schemeClr val="lt1"/>
+          </a:fontRef>
+        </p:style>
+        <p:txBody>
+          <a:bodyPr rtlCol="0" anchor="ctr"/>
+          <a:lstStyle/>
+          <a:p>
+            <a:pPr marL="0" marR="0" lvl="0" indent="0" algn="ctr" defTabSz="914400" rtl="0" eaLnBrk="1" fontAlgn="auto" latinLnBrk="0" hangingPunct="1">
+              <a:lnSpc>
+                <a:spcPct val="100000"/>
+              </a:lnSpc>
+              <a:spcBef>
+                <a:spcPts val="0"/>
+              </a:spcBef>
+              <a:spcAft>
+                <a:spcPts val="0"/>
+              </a:spcAft>
+              <a:buClrTx/>
+              <a:buSzTx/>
+              <a:buFontTx/>
+              <a:buNone/>
+              <a:tabLst/>
+              <a:defRPr/>
+            </a:pPr>
+            <a:endParaRPr kumimoji="0" lang="en-US" sz="1800" b="0" i="0" u="none" strike="noStrike" kern="1200" cap="none" spc="0" normalizeH="0" baseline="0" noProof="0">
+              <a:ln>
+                <a:noFill/>
+              </a:ln>
+              <a:solidFill>
+                <a:prstClr val="white"/>
+              </a:solidFill>
+              <a:effectLst/>
+              <a:uLnTx/>
+              <a:uFillTx/>
+              <a:latin typeface="Calibri" panose="020F0502020204030204"/>
+              <a:ea typeface="+mn-ea"/>
+              <a:cs typeface="+mn-cs"/>
+            </a:endParaRPr>
+          </a:p>
+        </p:txBody>
+      </p:sp>
+      <p:pic>
+        <p:nvPicPr>
+          <p:cNvPr id="7" name="Graphic 6" descr="Checkmark">
+            <a:extLst>
+              <a:ext uri="{FF2B5EF4-FFF2-40B4-BE49-F238E27FC236}">
+                <a16:creationId xmlns:a16="http://schemas.microsoft.com/office/drawing/2014/main" id="{28220691-17AF-47C6-A57E-29EF64E3E36A}"/>
+              </a:ext>
+            </a:extLst>
+          </p:cNvPr>
+          <p:cNvPicPr>
+            <a:picLocks noChangeAspect="1"/>
+          </p:cNvPicPr>
+          <p:nvPr/>
+        </p:nvPicPr>
+        <p:blipFill>
+          <a:blip r:embed="rId2">
+            <a:extLst>
+              <a:ext uri="{28A0092B-C50C-407E-A947-70E740481C1C}">
+                <a14:useLocalDpi xmlns:a14="http://schemas.microsoft.com/office/drawing/2010/main" val="0"/>
+              </a:ext>
+              <a:ext uri="{96DAC541-7B7A-43D3-8B79-37D633B846F1}">
+                <asvg:svgBlip xmlns:asvg="http://schemas.microsoft.com/office/drawing/2016/SVG/main" r:embed="rId3"/>
+              </a:ext>
+            </a:extLst>
+          </a:blip>
+          <a:stretch>
+            <a:fillRect/>
+          </a:stretch>
+        </p:blipFill>
+        <p:spPr>
+          <a:xfrm>
+            <a:off x="7884057" y="643002"/>
+            <a:ext cx="3796790" cy="3796790"/>
+          </a:xfrm>
+          <a:prstGeom prst="rect">
+            <a:avLst/>
+          </a:prstGeom>
+        </p:spPr>
+      </p:pic>
+    </p:spTree>
+    <p:extLst>
+      <p:ext uri="{BB962C8B-B14F-4D97-AF65-F5344CB8AC3E}">
+        <p14:creationId xmlns:p14="http://schemas.microsoft.com/office/powerpoint/2010/main" val="1910486637"/>
       </p:ext>
     </p:extLst>
   </p:cSld>
